--- a/mall-static/static/my/structure.pptx
+++ b/mall-static/static/my/structure.pptx
@@ -3166,8 +3166,8 @@
         </p:nvSpPr>
         <p:spPr>
           <a:xfrm>
-            <a:off x="4478020" y="250190"/>
-            <a:ext cx="3235325" cy="368300"/>
+            <a:off x="4977130" y="250190"/>
+            <a:ext cx="1860550" cy="368300"/>
           </a:xfrm>
           <a:prstGeom prst="rect">
             <a:avLst/>
@@ -3181,7 +3181,7 @@
           <a:p>
             <a:r>
               <a:rPr lang="zh-CN" altLang="en-US"/>
-              <a:t>bookstore  --  Maven聚合工程 </a:t>
+              <a:t>Maven聚合工程 </a:t>
             </a:r>
             <a:endParaRPr lang="zh-CN" altLang="en-US"/>
           </a:p>
